--- a/latex/images/kapitel4/komponenten.pptx
+++ b/latex/images/kapitel4/komponenten.pptx
@@ -288,7 +288,7 @@
           <a:p>
             <a:fld id="{13E61CBF-EA7F-4FB0-A9C2-9C0FD55C33C1}" type="datetimeFigureOut">
               <a:rPr lang="de-DE" smtClean="0"/>
-              <a:t>25.04.2016</a:t>
+              <a:t>29.04.2016</a:t>
             </a:fld>
             <a:endParaRPr lang="de-DE"/>
           </a:p>
@@ -458,7 +458,7 @@
           <a:p>
             <a:fld id="{13E61CBF-EA7F-4FB0-A9C2-9C0FD55C33C1}" type="datetimeFigureOut">
               <a:rPr lang="de-DE" smtClean="0"/>
-              <a:t>25.04.2016</a:t>
+              <a:t>29.04.2016</a:t>
             </a:fld>
             <a:endParaRPr lang="de-DE"/>
           </a:p>
@@ -638,7 +638,7 @@
           <a:p>
             <a:fld id="{13E61CBF-EA7F-4FB0-A9C2-9C0FD55C33C1}" type="datetimeFigureOut">
               <a:rPr lang="de-DE" smtClean="0"/>
-              <a:t>25.04.2016</a:t>
+              <a:t>29.04.2016</a:t>
             </a:fld>
             <a:endParaRPr lang="de-DE"/>
           </a:p>
@@ -808,7 +808,7 @@
           <a:p>
             <a:fld id="{13E61CBF-EA7F-4FB0-A9C2-9C0FD55C33C1}" type="datetimeFigureOut">
               <a:rPr lang="de-DE" smtClean="0"/>
-              <a:t>25.04.2016</a:t>
+              <a:t>29.04.2016</a:t>
             </a:fld>
             <a:endParaRPr lang="de-DE"/>
           </a:p>
@@ -1054,7 +1054,7 @@
           <a:p>
             <a:fld id="{13E61CBF-EA7F-4FB0-A9C2-9C0FD55C33C1}" type="datetimeFigureOut">
               <a:rPr lang="de-DE" smtClean="0"/>
-              <a:t>25.04.2016</a:t>
+              <a:t>29.04.2016</a:t>
             </a:fld>
             <a:endParaRPr lang="de-DE"/>
           </a:p>
@@ -1342,7 +1342,7 @@
           <a:p>
             <a:fld id="{13E61CBF-EA7F-4FB0-A9C2-9C0FD55C33C1}" type="datetimeFigureOut">
               <a:rPr lang="de-DE" smtClean="0"/>
-              <a:t>25.04.2016</a:t>
+              <a:t>29.04.2016</a:t>
             </a:fld>
             <a:endParaRPr lang="de-DE"/>
           </a:p>
@@ -1764,7 +1764,7 @@
           <a:p>
             <a:fld id="{13E61CBF-EA7F-4FB0-A9C2-9C0FD55C33C1}" type="datetimeFigureOut">
               <a:rPr lang="de-DE" smtClean="0"/>
-              <a:t>25.04.2016</a:t>
+              <a:t>29.04.2016</a:t>
             </a:fld>
             <a:endParaRPr lang="de-DE"/>
           </a:p>
@@ -1882,7 +1882,7 @@
           <a:p>
             <a:fld id="{13E61CBF-EA7F-4FB0-A9C2-9C0FD55C33C1}" type="datetimeFigureOut">
               <a:rPr lang="de-DE" smtClean="0"/>
-              <a:t>25.04.2016</a:t>
+              <a:t>29.04.2016</a:t>
             </a:fld>
             <a:endParaRPr lang="de-DE"/>
           </a:p>
@@ -1977,7 +1977,7 @@
           <a:p>
             <a:fld id="{13E61CBF-EA7F-4FB0-A9C2-9C0FD55C33C1}" type="datetimeFigureOut">
               <a:rPr lang="de-DE" smtClean="0"/>
-              <a:t>25.04.2016</a:t>
+              <a:t>29.04.2016</a:t>
             </a:fld>
             <a:endParaRPr lang="de-DE"/>
           </a:p>
@@ -2254,7 +2254,7 @@
           <a:p>
             <a:fld id="{13E61CBF-EA7F-4FB0-A9C2-9C0FD55C33C1}" type="datetimeFigureOut">
               <a:rPr lang="de-DE" smtClean="0"/>
-              <a:t>25.04.2016</a:t>
+              <a:t>29.04.2016</a:t>
             </a:fld>
             <a:endParaRPr lang="de-DE"/>
           </a:p>
@@ -2507,7 +2507,7 @@
           <a:p>
             <a:fld id="{13E61CBF-EA7F-4FB0-A9C2-9C0FD55C33C1}" type="datetimeFigureOut">
               <a:rPr lang="de-DE" smtClean="0"/>
-              <a:t>25.04.2016</a:t>
+              <a:t>29.04.2016</a:t>
             </a:fld>
             <a:endParaRPr lang="de-DE"/>
           </a:p>
@@ -2720,7 +2720,7 @@
           <a:p>
             <a:fld id="{13E61CBF-EA7F-4FB0-A9C2-9C0FD55C33C1}" type="datetimeFigureOut">
               <a:rPr lang="de-DE" smtClean="0"/>
-              <a:t>25.04.2016</a:t>
+              <a:t>29.04.2016</a:t>
             </a:fld>
             <a:endParaRPr lang="de-DE"/>
           </a:p>
@@ -3103,7 +3103,7 @@
         </p:nvSpPr>
         <p:spPr>
           <a:xfrm>
-            <a:off x="332103" y="1916832"/>
+            <a:off x="116079" y="1919336"/>
             <a:ext cx="1800200" cy="864096"/>
           </a:xfrm>
           <a:prstGeom prst="roundRect">
@@ -3168,7 +3168,7 @@
         </p:nvCxnSpPr>
         <p:spPr>
           <a:xfrm>
-            <a:off x="2132303" y="2420888"/>
+            <a:off x="1916279" y="2423392"/>
             <a:ext cx="2583713" cy="0"/>
           </a:xfrm>
           <a:prstGeom prst="straightConnector1">
@@ -3204,7 +3204,7 @@
         </p:nvSpPr>
         <p:spPr>
           <a:xfrm>
-            <a:off x="2555776" y="1914329"/>
+            <a:off x="2339752" y="1916833"/>
             <a:ext cx="1800200" cy="864096"/>
           </a:xfrm>
           <a:prstGeom prst="rect">
@@ -3278,7 +3278,7 @@
         </p:nvSpPr>
         <p:spPr>
           <a:xfrm>
-            <a:off x="4716016" y="1916832"/>
+            <a:off x="4499992" y="1919336"/>
             <a:ext cx="1800200" cy="864096"/>
           </a:xfrm>
           <a:prstGeom prst="rect">
@@ -3352,7 +3352,7 @@
         </p:nvSpPr>
         <p:spPr>
           <a:xfrm>
-            <a:off x="7092280" y="1914328"/>
+            <a:off x="6876256" y="1916832"/>
             <a:ext cx="1800200" cy="864096"/>
           </a:xfrm>
           <a:prstGeom prst="rect">
@@ -3416,7 +3416,7 @@
         </p:nvCxnSpPr>
         <p:spPr>
           <a:xfrm flipV="1">
-            <a:off x="6516216" y="2346376"/>
+            <a:off x="6300192" y="2348880"/>
             <a:ext cx="576064" cy="2504"/>
           </a:xfrm>
           <a:prstGeom prst="straightConnector1">
@@ -3453,7 +3453,7 @@
         </p:nvSpPr>
         <p:spPr>
           <a:xfrm>
-            <a:off x="5904148" y="4437112"/>
+            <a:off x="5688124" y="4583632"/>
             <a:ext cx="1800200" cy="864096"/>
           </a:xfrm>
           <a:prstGeom prst="roundRect">
@@ -3529,8 +3529,8 @@
         </p:nvCxnSpPr>
         <p:spPr>
           <a:xfrm rot="16200000" flipH="1">
-            <a:off x="5382090" y="3014954"/>
-            <a:ext cx="1656184" cy="1188132"/>
+            <a:off x="5094058" y="3089466"/>
+            <a:ext cx="1800200" cy="1188132"/>
           </a:xfrm>
           <a:prstGeom prst="curvedConnector3">
             <a:avLst>
@@ -3568,7 +3568,7 @@
         </p:nvSpPr>
         <p:spPr>
           <a:xfrm>
-            <a:off x="3356731" y="3183347"/>
+            <a:off x="4355976" y="3228414"/>
             <a:ext cx="1215269" cy="369332"/>
           </a:xfrm>
           <a:prstGeom prst="rect">
@@ -3601,8 +3601,8 @@
         </p:nvCxnSpPr>
         <p:spPr>
           <a:xfrm rot="5400000">
-            <a:off x="6568970" y="3013702"/>
-            <a:ext cx="1658688" cy="1188132"/>
+            <a:off x="6280938" y="3088214"/>
+            <a:ext cx="1802704" cy="1188132"/>
           </a:xfrm>
           <a:prstGeom prst="curvedConnector3">
             <a:avLst>
